--- a/calibration_patterns/Calibration Sheet.pptx
+++ b/calibration_patterns/Calibration Sheet.pptx
@@ -244,7 +244,7 @@
           <a:p>
             <a:fld id="{F41EF006-18F3-4C20-BFCF-1DB5CCB2B78D}" type="datetimeFigureOut">
               <a:rPr lang="en-US" smtClean="0"/>
-              <a:t>2/17/2019</a:t>
+              <a:t>5/23/22</a:t>
             </a:fld>
             <a:endParaRPr lang="en-US"/>
           </a:p>
@@ -286,7 +286,7 @@
           <a:p>
             <a:fld id="{17A77CAF-7F91-452C-98FF-7C1505276E9F}" type="slidenum">
               <a:rPr lang="en-US" smtClean="0"/>
-              <a:t>‹#›</a:t>
+              <a:t>‹N°›</a:t>
             </a:fld>
             <a:endParaRPr lang="en-US"/>
           </a:p>
@@ -414,7 +414,7 @@
           <a:p>
             <a:fld id="{F41EF006-18F3-4C20-BFCF-1DB5CCB2B78D}" type="datetimeFigureOut">
               <a:rPr lang="en-US" smtClean="0"/>
-              <a:t>2/17/2019</a:t>
+              <a:t>5/23/22</a:t>
             </a:fld>
             <a:endParaRPr lang="en-US"/>
           </a:p>
@@ -456,7 +456,7 @@
           <a:p>
             <a:fld id="{17A77CAF-7F91-452C-98FF-7C1505276E9F}" type="slidenum">
               <a:rPr lang="en-US" smtClean="0"/>
-              <a:t>‹#›</a:t>
+              <a:t>‹N°›</a:t>
             </a:fld>
             <a:endParaRPr lang="en-US"/>
           </a:p>
@@ -594,7 +594,7 @@
           <a:p>
             <a:fld id="{F41EF006-18F3-4C20-BFCF-1DB5CCB2B78D}" type="datetimeFigureOut">
               <a:rPr lang="en-US" smtClean="0"/>
-              <a:t>2/17/2019</a:t>
+              <a:t>5/23/22</a:t>
             </a:fld>
             <a:endParaRPr lang="en-US"/>
           </a:p>
@@ -636,7 +636,7 @@
           <a:p>
             <a:fld id="{17A77CAF-7F91-452C-98FF-7C1505276E9F}" type="slidenum">
               <a:rPr lang="en-US" smtClean="0"/>
-              <a:t>‹#›</a:t>
+              <a:t>‹N°›</a:t>
             </a:fld>
             <a:endParaRPr lang="en-US"/>
           </a:p>
@@ -764,7 +764,7 @@
           <a:p>
             <a:fld id="{F41EF006-18F3-4C20-BFCF-1DB5CCB2B78D}" type="datetimeFigureOut">
               <a:rPr lang="en-US" smtClean="0"/>
-              <a:t>2/17/2019</a:t>
+              <a:t>5/23/22</a:t>
             </a:fld>
             <a:endParaRPr lang="en-US"/>
           </a:p>
@@ -806,7 +806,7 @@
           <a:p>
             <a:fld id="{17A77CAF-7F91-452C-98FF-7C1505276E9F}" type="slidenum">
               <a:rPr lang="en-US" smtClean="0"/>
-              <a:t>‹#›</a:t>
+              <a:t>‹N°›</a:t>
             </a:fld>
             <a:endParaRPr lang="en-US"/>
           </a:p>
@@ -1008,7 +1008,7 @@
           <a:p>
             <a:fld id="{F41EF006-18F3-4C20-BFCF-1DB5CCB2B78D}" type="datetimeFigureOut">
               <a:rPr lang="en-US" smtClean="0"/>
-              <a:t>2/17/2019</a:t>
+              <a:t>5/23/22</a:t>
             </a:fld>
             <a:endParaRPr lang="en-US"/>
           </a:p>
@@ -1050,7 +1050,7 @@
           <a:p>
             <a:fld id="{17A77CAF-7F91-452C-98FF-7C1505276E9F}" type="slidenum">
               <a:rPr lang="en-US" smtClean="0"/>
-              <a:t>‹#›</a:t>
+              <a:t>‹N°›</a:t>
             </a:fld>
             <a:endParaRPr lang="en-US"/>
           </a:p>
@@ -1240,7 +1240,7 @@
           <a:p>
             <a:fld id="{F41EF006-18F3-4C20-BFCF-1DB5CCB2B78D}" type="datetimeFigureOut">
               <a:rPr lang="en-US" smtClean="0"/>
-              <a:t>2/17/2019</a:t>
+              <a:t>5/23/22</a:t>
             </a:fld>
             <a:endParaRPr lang="en-US"/>
           </a:p>
@@ -1282,7 +1282,7 @@
           <a:p>
             <a:fld id="{17A77CAF-7F91-452C-98FF-7C1505276E9F}" type="slidenum">
               <a:rPr lang="en-US" smtClean="0"/>
-              <a:t>‹#›</a:t>
+              <a:t>‹N°›</a:t>
             </a:fld>
             <a:endParaRPr lang="en-US"/>
           </a:p>
@@ -1607,7 +1607,7 @@
           <a:p>
             <a:fld id="{F41EF006-18F3-4C20-BFCF-1DB5CCB2B78D}" type="datetimeFigureOut">
               <a:rPr lang="en-US" smtClean="0"/>
-              <a:t>2/17/2019</a:t>
+              <a:t>5/23/22</a:t>
             </a:fld>
             <a:endParaRPr lang="en-US"/>
           </a:p>
@@ -1649,7 +1649,7 @@
           <a:p>
             <a:fld id="{17A77CAF-7F91-452C-98FF-7C1505276E9F}" type="slidenum">
               <a:rPr lang="en-US" smtClean="0"/>
-              <a:t>‹#›</a:t>
+              <a:t>‹N°›</a:t>
             </a:fld>
             <a:endParaRPr lang="en-US"/>
           </a:p>
@@ -1725,7 +1725,7 @@
           <a:p>
             <a:fld id="{F41EF006-18F3-4C20-BFCF-1DB5CCB2B78D}" type="datetimeFigureOut">
               <a:rPr lang="en-US" smtClean="0"/>
-              <a:t>2/17/2019</a:t>
+              <a:t>5/23/22</a:t>
             </a:fld>
             <a:endParaRPr lang="en-US"/>
           </a:p>
@@ -1767,7 +1767,7 @@
           <a:p>
             <a:fld id="{17A77CAF-7F91-452C-98FF-7C1505276E9F}" type="slidenum">
               <a:rPr lang="en-US" smtClean="0"/>
-              <a:t>‹#›</a:t>
+              <a:t>‹N°›</a:t>
             </a:fld>
             <a:endParaRPr lang="en-US"/>
           </a:p>
@@ -1820,7 +1820,7 @@
           <a:p>
             <a:fld id="{F41EF006-18F3-4C20-BFCF-1DB5CCB2B78D}" type="datetimeFigureOut">
               <a:rPr lang="en-US" smtClean="0"/>
-              <a:t>2/17/2019</a:t>
+              <a:t>5/23/22</a:t>
             </a:fld>
             <a:endParaRPr lang="en-US"/>
           </a:p>
@@ -1862,7 +1862,7 @@
           <a:p>
             <a:fld id="{17A77CAF-7F91-452C-98FF-7C1505276E9F}" type="slidenum">
               <a:rPr lang="en-US" smtClean="0"/>
-              <a:t>‹#›</a:t>
+              <a:t>‹N°›</a:t>
             </a:fld>
             <a:endParaRPr lang="en-US"/>
           </a:p>
@@ -2097,7 +2097,7 @@
           <a:p>
             <a:fld id="{F41EF006-18F3-4C20-BFCF-1DB5CCB2B78D}" type="datetimeFigureOut">
               <a:rPr lang="en-US" smtClean="0"/>
-              <a:t>2/17/2019</a:t>
+              <a:t>5/23/22</a:t>
             </a:fld>
             <a:endParaRPr lang="en-US"/>
           </a:p>
@@ -2139,7 +2139,7 @@
           <a:p>
             <a:fld id="{17A77CAF-7F91-452C-98FF-7C1505276E9F}" type="slidenum">
               <a:rPr lang="en-US" smtClean="0"/>
-              <a:t>‹#›</a:t>
+              <a:t>‹N°›</a:t>
             </a:fld>
             <a:endParaRPr lang="en-US"/>
           </a:p>
@@ -2354,7 +2354,7 @@
           <a:p>
             <a:fld id="{F41EF006-18F3-4C20-BFCF-1DB5CCB2B78D}" type="datetimeFigureOut">
               <a:rPr lang="en-US" smtClean="0"/>
-              <a:t>2/17/2019</a:t>
+              <a:t>5/23/22</a:t>
             </a:fld>
             <a:endParaRPr lang="en-US"/>
           </a:p>
@@ -2396,7 +2396,7 @@
           <a:p>
             <a:fld id="{17A77CAF-7F91-452C-98FF-7C1505276E9F}" type="slidenum">
               <a:rPr lang="en-US" smtClean="0"/>
-              <a:t>‹#›</a:t>
+              <a:t>‹N°›</a:t>
             </a:fld>
             <a:endParaRPr lang="en-US"/>
           </a:p>
@@ -2567,7 +2567,7 @@
           <a:p>
             <a:fld id="{F41EF006-18F3-4C20-BFCF-1DB5CCB2B78D}" type="datetimeFigureOut">
               <a:rPr lang="en-US" smtClean="0"/>
-              <a:t>2/17/2019</a:t>
+              <a:t>5/23/22</a:t>
             </a:fld>
             <a:endParaRPr lang="en-US"/>
           </a:p>
@@ -2645,7 +2645,7 @@
           <a:p>
             <a:fld id="{17A77CAF-7F91-452C-98FF-7C1505276E9F}" type="slidenum">
               <a:rPr lang="en-US" smtClean="0"/>
-              <a:t>‹#›</a:t>
+              <a:t>‹N°›</a:t>
             </a:fld>
             <a:endParaRPr lang="en-US"/>
           </a:p>
